--- a/Programmation structurée/P4 - Type de base, Algorithme, Groupe 1/A42 - Présentations/mohamed laaroussi.pptx
+++ b/Programmation structurée/P4 - Type de base, Algorithme, Groupe 1/A42 - Présentations/mohamed laaroussi.pptx
@@ -197,7 +197,7 @@
             <a:fld id="{D1B81D66-036D-4055-B168-DB1EE1DFC77A}" type="datetimeFigureOut">
               <a:rPr lang="fr-FR" smtClean="0"/>
               <a:pPr/>
-              <a:t>20/09/2019</a:t>
+              <a:t>21/09/2019</a:t>
             </a:fld>
             <a:endParaRPr lang="fr-FR"/>
           </a:p>
@@ -930,7 +930,7 @@
             <a:fld id="{AA309A6D-C09C-4548-B29A-6CF363A7E532}" type="datetimeFigureOut">
               <a:rPr lang="fr-FR" smtClean="0"/>
               <a:pPr/>
-              <a:t>20/09/2019</a:t>
+              <a:t>21/09/2019</a:t>
             </a:fld>
             <a:endParaRPr lang="fr-BE" dirty="0"/>
           </a:p>
@@ -1097,7 +1097,7 @@
             <a:fld id="{AA309A6D-C09C-4548-B29A-6CF363A7E532}" type="datetimeFigureOut">
               <a:rPr lang="fr-FR" smtClean="0"/>
               <a:pPr/>
-              <a:t>20/09/2019</a:t>
+              <a:t>21/09/2019</a:t>
             </a:fld>
             <a:endParaRPr lang="fr-BE" dirty="0"/>
           </a:p>
@@ -1274,7 +1274,7 @@
             <a:fld id="{AA309A6D-C09C-4548-B29A-6CF363A7E532}" type="datetimeFigureOut">
               <a:rPr lang="fr-FR" smtClean="0"/>
               <a:pPr/>
-              <a:t>20/09/2019</a:t>
+              <a:t>21/09/2019</a:t>
             </a:fld>
             <a:endParaRPr lang="fr-BE" dirty="0"/>
           </a:p>
@@ -1445,7 +1445,7 @@
             <a:fld id="{AA309A6D-C09C-4548-B29A-6CF363A7E532}" type="datetimeFigureOut">
               <a:rPr lang="fr-FR" smtClean="0"/>
               <a:pPr/>
-              <a:t>20/09/2019</a:t>
+              <a:t>21/09/2019</a:t>
             </a:fld>
             <a:endParaRPr lang="fr-BE" dirty="0"/>
           </a:p>
@@ -1902,7 +1902,7 @@
             <a:fld id="{AA309A6D-C09C-4548-B29A-6CF363A7E532}" type="datetimeFigureOut">
               <a:rPr lang="fr-FR" smtClean="0"/>
               <a:pPr/>
-              <a:t>20/09/2019</a:t>
+              <a:t>21/09/2019</a:t>
             </a:fld>
             <a:endParaRPr lang="fr-BE" dirty="0"/>
           </a:p>
@@ -2168,7 +2168,7 @@
             <a:fld id="{AA309A6D-C09C-4548-B29A-6CF363A7E532}" type="datetimeFigureOut">
               <a:rPr lang="fr-FR" smtClean="0"/>
               <a:pPr/>
-              <a:t>20/09/2019</a:t>
+              <a:t>21/09/2019</a:t>
             </a:fld>
             <a:endParaRPr lang="fr-BE" dirty="0"/>
           </a:p>
@@ -2544,7 +2544,7 @@
             <a:fld id="{AA309A6D-C09C-4548-B29A-6CF363A7E532}" type="datetimeFigureOut">
               <a:rPr lang="fr-FR" smtClean="0"/>
               <a:pPr/>
-              <a:t>20/09/2019</a:t>
+              <a:t>21/09/2019</a:t>
             </a:fld>
             <a:endParaRPr lang="fr-BE" dirty="0"/>
           </a:p>
@@ -2668,7 +2668,7 @@
             <a:fld id="{AA309A6D-C09C-4548-B29A-6CF363A7E532}" type="datetimeFigureOut">
               <a:rPr lang="fr-FR" smtClean="0"/>
               <a:pPr/>
-              <a:t>20/09/2019</a:t>
+              <a:t>21/09/2019</a:t>
             </a:fld>
             <a:endParaRPr lang="fr-BE" dirty="0"/>
           </a:p>
@@ -2760,7 +2760,7 @@
             <a:fld id="{AA309A6D-C09C-4548-B29A-6CF363A7E532}" type="datetimeFigureOut">
               <a:rPr lang="fr-FR" smtClean="0"/>
               <a:pPr/>
-              <a:t>20/09/2019</a:t>
+              <a:t>21/09/2019</a:t>
             </a:fld>
             <a:endParaRPr lang="fr-BE" dirty="0"/>
           </a:p>
@@ -3011,7 +3011,7 @@
             <a:fld id="{AA309A6D-C09C-4548-B29A-6CF363A7E532}" type="datetimeFigureOut">
               <a:rPr lang="fr-FR" smtClean="0"/>
               <a:pPr/>
-              <a:t>20/09/2019</a:t>
+              <a:t>21/09/2019</a:t>
             </a:fld>
             <a:endParaRPr lang="fr-BE" dirty="0"/>
           </a:p>
@@ -3272,7 +3272,7 @@
             <a:fld id="{AA309A6D-C09C-4548-B29A-6CF363A7E532}" type="datetimeFigureOut">
               <a:rPr lang="fr-FR" smtClean="0"/>
               <a:pPr/>
-              <a:t>20/09/2019</a:t>
+              <a:t>21/09/2019</a:t>
             </a:fld>
             <a:endParaRPr lang="fr-BE" dirty="0"/>
           </a:p>
@@ -3678,7 +3678,7 @@
             <a:fld id="{AA309A6D-C09C-4548-B29A-6CF363A7E532}" type="datetimeFigureOut">
               <a:rPr lang="fr-FR" smtClean="0"/>
               <a:pPr/>
-              <a:t>20/09/2019</a:t>
+              <a:t>21/09/2019</a:t>
             </a:fld>
             <a:endParaRPr lang="fr-BE" dirty="0"/>
           </a:p>
@@ -4092,7 +4092,7 @@
         <p:spPr>
           <a:xfrm>
             <a:off x="0" y="1700808"/>
-            <a:ext cx="8604448" cy="2301240"/>
+            <a:ext cx="8604448" cy="4871464"/>
           </a:xfrm>
         </p:spPr>
         <p:txBody>
@@ -4101,7 +4101,11 @@
           <a:p>
             <a:r>
               <a:rPr lang="fr-FR" dirty="0" smtClean="0"/>
-              <a:t>Type de base, Algorithme</a:t>
+              <a:t>Type </a:t>
+            </a:r>
+            <a:r>
+              <a:rPr lang="fr-FR" dirty="0" smtClean="0"/>
+              <a:t>de base, Algorithme</a:t>
             </a:r>
             <a:endParaRPr lang="fr-FR" dirty="0"/>
           </a:p>
@@ -4187,11 +4191,7 @@
             </a:r>
             <a:r>
               <a:rPr lang="fr-FR" dirty="0" smtClean="0"/>
-              <a:t> est une zone de stockage </a:t>
-            </a:r>
-            <a:r>
-              <a:rPr lang="fr-FR" dirty="0" smtClean="0"/>
-              <a:t>d’informations.</a:t>
+              <a:t> est une zone de stockage d’informations.</a:t>
             </a:r>
             <a:endParaRPr lang="fr-FR" dirty="0"/>
           </a:p>
